--- a/Presentation/CosmosDbDotNet.pptx
+++ b/Presentation/CosmosDbDotNet.pptx
@@ -5,10 +5,10 @@
     <p:sldMasterId id="2147483833" r:id="rId4"/>
   </p:sldMasterIdLst>
   <p:notesMasterIdLst>
-    <p:notesMasterId r:id="rId17"/>
+    <p:notesMasterId r:id="rId18"/>
   </p:notesMasterIdLst>
   <p:handoutMasterIdLst>
-    <p:handoutMasterId r:id="rId18"/>
+    <p:handoutMasterId r:id="rId19"/>
   </p:handoutMasterIdLst>
   <p:sldIdLst>
     <p:sldId id="256" r:id="rId5"/>
@@ -21,8 +21,9 @@
     <p:sldId id="279" r:id="rId12"/>
     <p:sldId id="280" r:id="rId13"/>
     <p:sldId id="281" r:id="rId14"/>
-    <p:sldId id="275" r:id="rId15"/>
-    <p:sldId id="267" r:id="rId16"/>
+    <p:sldId id="282" r:id="rId15"/>
+    <p:sldId id="275" r:id="rId16"/>
+    <p:sldId id="267" r:id="rId17"/>
   </p:sldIdLst>
   <p:sldSz cx="12192000" cy="6858000"/>
   <p:notesSz cx="6858000" cy="9144000"/>
@@ -314,7 +315,7 @@
             <a:pPr rtl="0"/>
             <a:fld id="{EED32F08-9749-4F62-92D2-6C50931D99AA}" type="datetime1">
               <a:rPr lang="es-ES" smtClean="0"/>
-              <a:t>21/02/2023</a:t>
+              <a:t>22/02/2023</a:t>
             </a:fld>
             <a:endParaRPr lang="es-ES"/>
           </a:p>
@@ -394,7 +395,7 @@
             <a:pPr rtl="0"/>
             <a:fld id="{6B668C69-0C3E-40A2-B4A0-B2C8B71D8E3A}" type="slidenum">
               <a:rPr lang="es-ES" smtClean="0"/>
-              <a:t>‹#›</a:t>
+              <a:t>‹Nº›</a:t>
             </a:fld>
             <a:endParaRPr lang="es-ES"/>
           </a:p>
@@ -496,7 +497,7 @@
             <a:pPr rtl="0"/>
             <a:fld id="{BECC33FF-8FBA-4A60-BBD8-B5DE3DF83D8B}" type="datetime1">
               <a:rPr lang="es-ES" noProof="0" smtClean="0"/>
-              <a:t>21/02/2023</a:t>
+              <a:t>22/02/2023</a:t>
             </a:fld>
             <a:endParaRPr lang="es-ES" noProof="0"/>
           </a:p>
@@ -657,7 +658,7 @@
             <a:pPr rtl="0"/>
             <a:fld id="{EE000EEB-8338-48D7-8EE8-EE0082EF7602}" type="slidenum">
               <a:rPr lang="es-ES" noProof="0" smtClean="0"/>
-              <a:t>‹#›</a:t>
+              <a:t>‹Nº›</a:t>
             </a:fld>
             <a:endParaRPr lang="es-ES" noProof="0"/>
           </a:p>
@@ -920,7 +921,7 @@
             <a:pPr rtl="0"/>
             <a:fld id="{EE000EEB-8338-48D7-8EE8-EE0082EF7602}" type="slidenum">
               <a:rPr lang="es-ES" smtClean="0"/>
-              <a:t>12</a:t>
+              <a:t>13</a:t>
             </a:fld>
             <a:endParaRPr lang="es-ES"/>
           </a:p>
@@ -1442,7 +1443,7 @@
             <a:pPr rtl="0"/>
             <a:fld id="{4509A250-FF31-4206-8172-F9D3106AACB1}" type="datetimeFigureOut">
               <a:rPr lang="es-ES" noProof="0" smtClean="0"/>
-              <a:t>21/02/2023</a:t>
+              <a:t>22/02/2023</a:t>
             </a:fld>
             <a:endParaRPr lang="es-ES" noProof="0"/>
           </a:p>
@@ -1491,7 +1492,7 @@
             <a:pPr rtl="0"/>
             <a:fld id="{D57F1E4F-1CFF-5643-939E-02111984F565}" type="slidenum">
               <a:rPr lang="es-ES" noProof="0" smtClean="0"/>
-              <a:t>‹#›</a:t>
+              <a:t>‹Nº›</a:t>
             </a:fld>
             <a:endParaRPr lang="es-ES" noProof="0"/>
           </a:p>
@@ -1742,7 +1743,7 @@
             <a:pPr rtl="0"/>
             <a:fld id="{4509A250-FF31-4206-8172-F9D3106AACB1}" type="datetimeFigureOut">
               <a:rPr lang="es-ES" noProof="0" smtClean="0"/>
-              <a:t>21/02/2023</a:t>
+              <a:t>22/02/2023</a:t>
             </a:fld>
             <a:endParaRPr lang="es-ES" noProof="0"/>
           </a:p>
@@ -1786,7 +1787,7 @@
             <a:pPr rtl="0"/>
             <a:fld id="{D57F1E4F-1CFF-5643-939E-02111984F565}" type="slidenum">
               <a:rPr lang="es-ES" noProof="0" smtClean="0"/>
-              <a:t>‹#›</a:t>
+              <a:t>‹Nº›</a:t>
             </a:fld>
             <a:endParaRPr lang="es-ES" noProof="0"/>
           </a:p>
@@ -1994,7 +1995,7 @@
             <a:pPr rtl="0"/>
             <a:fld id="{4509A250-FF31-4206-8172-F9D3106AACB1}" type="datetimeFigureOut">
               <a:rPr lang="es-ES" noProof="0" smtClean="0"/>
-              <a:t>21/02/2023</a:t>
+              <a:t>22/02/2023</a:t>
             </a:fld>
             <a:endParaRPr lang="es-ES" noProof="0"/>
           </a:p>
@@ -2038,7 +2039,7 @@
             <a:pPr rtl="0"/>
             <a:fld id="{D57F1E4F-1CFF-5643-939E-02111984F565}" type="slidenum">
               <a:rPr lang="es-ES" noProof="0" smtClean="0"/>
-              <a:t>‹#›</a:t>
+              <a:t>‹Nº›</a:t>
             </a:fld>
             <a:endParaRPr lang="es-ES" noProof="0"/>
           </a:p>
@@ -2538,7 +2539,7 @@
             <a:pPr rtl="0"/>
             <a:fld id="{4509A250-FF31-4206-8172-F9D3106AACB1}" type="datetimeFigureOut">
               <a:rPr lang="es-ES" noProof="0" smtClean="0"/>
-              <a:t>21/02/2023</a:t>
+              <a:t>22/02/2023</a:t>
             </a:fld>
             <a:endParaRPr lang="es-ES" noProof="0"/>
           </a:p>
@@ -2582,7 +2583,7 @@
             <a:pPr rtl="0"/>
             <a:fld id="{D57F1E4F-1CFF-5643-939E-02111984F565}" type="slidenum">
               <a:rPr lang="es-ES" noProof="0" smtClean="0"/>
-              <a:t>‹#›</a:t>
+              <a:t>‹Nº›</a:t>
             </a:fld>
             <a:endParaRPr lang="es-ES" noProof="0"/>
           </a:p>
@@ -2790,7 +2791,7 @@
             <a:pPr rtl="0"/>
             <a:fld id="{4509A250-FF31-4206-8172-F9D3106AACB1}" type="datetimeFigureOut">
               <a:rPr lang="es-ES" noProof="0" smtClean="0"/>
-              <a:t>21/02/2023</a:t>
+              <a:t>22/02/2023</a:t>
             </a:fld>
             <a:endParaRPr lang="es-ES" noProof="0"/>
           </a:p>
@@ -2834,7 +2835,7 @@
             <a:pPr rtl="0"/>
             <a:fld id="{D57F1E4F-1CFF-5643-939E-02111984F565}" type="slidenum">
               <a:rPr lang="es-ES" noProof="0" smtClean="0"/>
-              <a:t>‹#›</a:t>
+              <a:t>‹Nº›</a:t>
             </a:fld>
             <a:endParaRPr lang="es-ES" noProof="0"/>
           </a:p>
@@ -3326,7 +3327,7 @@
             <a:pPr rtl="0"/>
             <a:fld id="{4509A250-FF31-4206-8172-F9D3106AACB1}" type="datetimeFigureOut">
               <a:rPr lang="es-ES" noProof="0" smtClean="0"/>
-              <a:t>21/02/2023</a:t>
+              <a:t>22/02/2023</a:t>
             </a:fld>
             <a:endParaRPr lang="es-ES" noProof="0"/>
           </a:p>
@@ -3370,7 +3371,7 @@
             <a:pPr rtl="0"/>
             <a:fld id="{D57F1E4F-1CFF-5643-939E-02111984F565}" type="slidenum">
               <a:rPr lang="es-ES" noProof="0" smtClean="0"/>
-              <a:t>‹#›</a:t>
+              <a:t>‹Nº›</a:t>
             </a:fld>
             <a:endParaRPr lang="es-ES" noProof="0"/>
           </a:p>
@@ -3627,7 +3628,7 @@
             <a:pPr rtl="0"/>
             <a:fld id="{4509A250-FF31-4206-8172-F9D3106AACB1}" type="datetimeFigureOut">
               <a:rPr lang="es-ES" noProof="0" smtClean="0"/>
-              <a:t>21/02/2023</a:t>
+              <a:t>22/02/2023</a:t>
             </a:fld>
             <a:endParaRPr lang="es-ES" noProof="0"/>
           </a:p>
@@ -3671,7 +3672,7 @@
             <a:pPr rtl="0"/>
             <a:fld id="{D57F1E4F-1CFF-5643-939E-02111984F565}" type="slidenum">
               <a:rPr lang="es-ES" noProof="0" smtClean="0"/>
-              <a:t>‹#›</a:t>
+              <a:t>‹Nº›</a:t>
             </a:fld>
             <a:endParaRPr lang="es-ES" noProof="0"/>
           </a:p>
@@ -3805,7 +3806,7 @@
             <a:pPr rtl="0"/>
             <a:fld id="{4509A250-FF31-4206-8172-F9D3106AACB1}" type="datetimeFigureOut">
               <a:rPr lang="es-ES" noProof="0" smtClean="0"/>
-              <a:t>21/02/2023</a:t>
+              <a:t>22/02/2023</a:t>
             </a:fld>
             <a:endParaRPr lang="es-ES" noProof="0"/>
           </a:p>
@@ -3849,7 +3850,7 @@
             <a:pPr rtl="0"/>
             <a:fld id="{D57F1E4F-1CFF-5643-939E-02111984F565}" type="slidenum">
               <a:rPr lang="es-ES" noProof="0" smtClean="0"/>
-              <a:t>‹#›</a:t>
+              <a:t>‹Nº›</a:t>
             </a:fld>
             <a:endParaRPr lang="es-ES" noProof="0"/>
           </a:p>
@@ -3989,7 +3990,7 @@
             <a:pPr rtl="0"/>
             <a:fld id="{4509A250-FF31-4206-8172-F9D3106AACB1}" type="datetimeFigureOut">
               <a:rPr lang="es-ES" noProof="0" smtClean="0"/>
-              <a:t>21/02/2023</a:t>
+              <a:t>22/02/2023</a:t>
             </a:fld>
             <a:endParaRPr lang="es-ES" noProof="0"/>
           </a:p>
@@ -4033,7 +4034,7 @@
             <a:pPr rtl="0"/>
             <a:fld id="{D57F1E4F-1CFF-5643-939E-02111984F565}" type="slidenum">
               <a:rPr lang="es-ES" noProof="0" smtClean="0"/>
-              <a:t>‹#›</a:t>
+              <a:t>‹Nº›</a:t>
             </a:fld>
             <a:endParaRPr lang="es-ES" noProof="0"/>
           </a:p>
@@ -4163,7 +4164,7 @@
             <a:pPr rtl="0"/>
             <a:fld id="{4509A250-FF31-4206-8172-F9D3106AACB1}" type="datetimeFigureOut">
               <a:rPr lang="es-ES" noProof="0" smtClean="0"/>
-              <a:t>21/02/2023</a:t>
+              <a:t>22/02/2023</a:t>
             </a:fld>
             <a:endParaRPr lang="es-ES" noProof="0"/>
           </a:p>
@@ -4212,7 +4213,7 @@
             <a:pPr rtl="0"/>
             <a:fld id="{D57F1E4F-1CFF-5643-939E-02111984F565}" type="slidenum">
               <a:rPr lang="es-ES" noProof="0" smtClean="0"/>
-              <a:t>‹#›</a:t>
+              <a:t>‹Nº›</a:t>
             </a:fld>
             <a:endParaRPr lang="es-ES" noProof="0"/>
           </a:p>
@@ -4418,7 +4419,7 @@
             <a:pPr rtl="0"/>
             <a:fld id="{4509A250-FF31-4206-8172-F9D3106AACB1}" type="datetimeFigureOut">
               <a:rPr lang="es-ES" noProof="0" smtClean="0"/>
-              <a:t>21/02/2023</a:t>
+              <a:t>22/02/2023</a:t>
             </a:fld>
             <a:endParaRPr lang="es-ES" noProof="0"/>
           </a:p>
@@ -4462,7 +4463,7 @@
             <a:pPr rtl="0"/>
             <a:fld id="{D57F1E4F-1CFF-5643-939E-02111984F565}" type="slidenum">
               <a:rPr lang="es-ES" noProof="0" smtClean="0"/>
-              <a:t>‹#›</a:t>
+              <a:t>‹Nº›</a:t>
             </a:fld>
             <a:endParaRPr lang="es-ES" noProof="0"/>
           </a:p>
@@ -4719,7 +4720,7 @@
             <a:pPr rtl="0"/>
             <a:fld id="{4509A250-FF31-4206-8172-F9D3106AACB1}" type="datetimeFigureOut">
               <a:rPr lang="es-ES" noProof="0" smtClean="0"/>
-              <a:t>21/02/2023</a:t>
+              <a:t>22/02/2023</a:t>
             </a:fld>
             <a:endParaRPr lang="es-ES" noProof="0"/>
           </a:p>
@@ -4763,7 +4764,7 @@
             <a:pPr rtl="0"/>
             <a:fld id="{D57F1E4F-1CFF-5643-939E-02111984F565}" type="slidenum">
               <a:rPr lang="es-ES" noProof="0" smtClean="0"/>
-              <a:t>‹#›</a:t>
+              <a:t>‹Nº›</a:t>
             </a:fld>
             <a:endParaRPr lang="es-ES" noProof="0"/>
           </a:p>
@@ -5165,7 +5166,7 @@
             <a:pPr rtl="0"/>
             <a:fld id="{4509A250-FF31-4206-8172-F9D3106AACB1}" type="datetimeFigureOut">
               <a:rPr lang="es-ES" noProof="0" smtClean="0"/>
-              <a:t>21/02/2023</a:t>
+              <a:t>22/02/2023</a:t>
             </a:fld>
             <a:endParaRPr lang="es-ES" noProof="0"/>
           </a:p>
@@ -5209,7 +5210,7 @@
             <a:pPr rtl="0"/>
             <a:fld id="{D57F1E4F-1CFF-5643-939E-02111984F565}" type="slidenum">
               <a:rPr lang="es-ES" noProof="0" smtClean="0"/>
-              <a:t>‹#›</a:t>
+              <a:t>‹Nº›</a:t>
             </a:fld>
             <a:endParaRPr lang="es-ES" noProof="0"/>
           </a:p>
@@ -5287,7 +5288,7 @@
             <a:pPr rtl="0"/>
             <a:fld id="{4509A250-FF31-4206-8172-F9D3106AACB1}" type="datetimeFigureOut">
               <a:rPr lang="es-ES" noProof="0" smtClean="0"/>
-              <a:t>21/02/2023</a:t>
+              <a:t>22/02/2023</a:t>
             </a:fld>
             <a:endParaRPr lang="es-ES" noProof="0"/>
           </a:p>
@@ -5331,7 +5332,7 @@
             <a:pPr rtl="0"/>
             <a:fld id="{D57F1E4F-1CFF-5643-939E-02111984F565}" type="slidenum">
               <a:rPr lang="es-ES" noProof="0" smtClean="0"/>
-              <a:t>‹#›</a:t>
+              <a:t>‹Nº›</a:t>
             </a:fld>
             <a:endParaRPr lang="es-ES" noProof="0"/>
           </a:p>
@@ -5386,7 +5387,7 @@
             <a:pPr rtl="0"/>
             <a:fld id="{4509A250-FF31-4206-8172-F9D3106AACB1}" type="datetimeFigureOut">
               <a:rPr lang="es-ES" noProof="0" smtClean="0"/>
-              <a:t>21/02/2023</a:t>
+              <a:t>22/02/2023</a:t>
             </a:fld>
             <a:endParaRPr lang="es-ES" noProof="0"/>
           </a:p>
@@ -5430,7 +5431,7 @@
             <a:pPr rtl="0"/>
             <a:fld id="{D57F1E4F-1CFF-5643-939E-02111984F565}" type="slidenum">
               <a:rPr lang="es-ES" noProof="0" smtClean="0"/>
-              <a:t>‹#›</a:t>
+              <a:t>‹Nº›</a:t>
             </a:fld>
             <a:endParaRPr lang="es-ES" noProof="0"/>
           </a:p>
@@ -5673,7 +5674,7 @@
             <a:pPr rtl="0"/>
             <a:fld id="{4509A250-FF31-4206-8172-F9D3106AACB1}" type="datetimeFigureOut">
               <a:rPr lang="es-ES" noProof="0" smtClean="0"/>
-              <a:t>21/02/2023</a:t>
+              <a:t>22/02/2023</a:t>
             </a:fld>
             <a:endParaRPr lang="es-ES" noProof="0"/>
           </a:p>
@@ -5717,7 +5718,7 @@
             <a:pPr rtl="0"/>
             <a:fld id="{D57F1E4F-1CFF-5643-939E-02111984F565}" type="slidenum">
               <a:rPr lang="es-ES" noProof="0" smtClean="0"/>
-              <a:t>‹#›</a:t>
+              <a:t>‹Nº›</a:t>
             </a:fld>
             <a:endParaRPr lang="es-ES" noProof="0"/>
           </a:p>
@@ -5968,7 +5969,7 @@
             <a:pPr rtl="0"/>
             <a:fld id="{4509A250-FF31-4206-8172-F9D3106AACB1}" type="datetimeFigureOut">
               <a:rPr lang="es-ES" noProof="0" smtClean="0"/>
-              <a:t>21/02/2023</a:t>
+              <a:t>22/02/2023</a:t>
             </a:fld>
             <a:endParaRPr lang="es-ES" noProof="0"/>
           </a:p>
@@ -6012,7 +6013,7 @@
             <a:pPr rtl="0"/>
             <a:fld id="{D57F1E4F-1CFF-5643-939E-02111984F565}" type="slidenum">
               <a:rPr lang="es-ES" noProof="0" smtClean="0"/>
-              <a:t>‹#›</a:t>
+              <a:t>‹Nº›</a:t>
             </a:fld>
             <a:endParaRPr lang="es-ES" noProof="0"/>
           </a:p>
@@ -6502,7 +6503,7 @@
             <a:pPr rtl="0"/>
             <a:fld id="{4509A250-FF31-4206-8172-F9D3106AACB1}" type="datetimeFigureOut">
               <a:rPr lang="es-ES" noProof="0" smtClean="0"/>
-              <a:t>21/02/2023</a:t>
+              <a:t>22/02/2023</a:t>
             </a:fld>
             <a:endParaRPr lang="es-ES" noProof="0"/>
           </a:p>
@@ -6582,7 +6583,7 @@
             <a:pPr rtl="0"/>
             <a:fld id="{D57F1E4F-1CFF-5643-939E-02111984F565}" type="slidenum">
               <a:rPr lang="es-ES" noProof="0" smtClean="0"/>
-              <a:t>‹#›</a:t>
+              <a:t>‹Nº›</a:t>
             </a:fld>
             <a:endParaRPr lang="es-ES" noProof="0"/>
           </a:p>
@@ -7830,8 +7831,8 @@
         </p:nvSpPr>
         <p:spPr>
           <a:xfrm>
-            <a:off x="1484310" y="1468072"/>
-            <a:ext cx="10018713" cy="4983061"/>
+            <a:off x="1407460" y="1468072"/>
+            <a:ext cx="10095564" cy="4983061"/>
           </a:xfrm>
         </p:spPr>
         <p:txBody>
@@ -7878,48 +7879,408 @@
               <a:buNone/>
             </a:pPr>
             <a:r>
-              <a:rPr lang="en-US" b="0" i="0" dirty="0">
+              <a:rPr lang="en-US" dirty="0">
                 <a:solidFill>
                   <a:srgbClr val="161616"/>
                 </a:solidFill>
-                <a:effectLst/>
                 <a:latin typeface="Segoe UI" panose="020B0502040204020203" pitchFamily="34" charset="0"/>
               </a:rPr>
-              <a:t>The </a:t>
-            </a:r>
-            <a:r>
-              <a:rPr lang="en-US" u="sng" dirty="0" err="1">
+              <a:t>Is a database provider that allows Entity Framework Core to be used with </a:t>
+            </a:r>
+            <a:r>
+              <a:rPr lang="en-US" dirty="0" err="1">
                 <a:solidFill>
                   <a:srgbClr val="161616"/>
                 </a:solidFill>
                 <a:latin typeface="Segoe UI" panose="020B0502040204020203" pitchFamily="34" charset="0"/>
               </a:rPr>
-              <a:t>Microsoft.Azure.Cosmos</a:t>
-            </a:r>
-            <a:r>
-              <a:rPr lang="en-US" u="sng" dirty="0">
+              <a:t>CosmosDb</a:t>
+            </a:r>
+            <a:r>
+              <a:rPr lang="en-US" dirty="0">
                 <a:solidFill>
                   <a:srgbClr val="161616"/>
                 </a:solidFill>
                 <a:latin typeface="Segoe UI" panose="020B0502040204020203" pitchFamily="34" charset="0"/>
               </a:rPr>
-              <a:t> </a:t>
-            </a:r>
-            <a:r>
-              <a:rPr lang="en-US" b="0" i="0" dirty="0">
+              <a:t>.</a:t>
+            </a:r>
+          </a:p>
+          <a:p>
+            <a:pPr lvl="1">
+              <a:lnSpc>
+                <a:spcPct val="120000"/>
+              </a:lnSpc>
+              <a:buFont typeface="Wingdings" panose="05000000000000000000" pitchFamily="2" charset="2"/>
+              <a:buChar char="§"/>
+            </a:pPr>
+            <a:r>
+              <a:rPr lang="en-US" dirty="0">
                 <a:solidFill>
                   <a:srgbClr val="161616"/>
                 </a:solidFill>
-                <a:effectLst/>
                 <a:latin typeface="Segoe UI" panose="020B0502040204020203" pitchFamily="34" charset="0"/>
               </a:rPr>
-              <a:t>library is the latest version of the .NET SDK f</a:t>
+              <a:t>Install via </a:t>
+            </a:r>
+            <a:r>
+              <a:rPr lang="en-US" u="sng" dirty="0" err="1">
+                <a:solidFill>
+                  <a:srgbClr val="161616"/>
+                </a:solidFill>
+                <a:latin typeface="Segoe UI" panose="020B0502040204020203" pitchFamily="34" charset="0"/>
+              </a:rPr>
+              <a:t>nuget</a:t>
+            </a:r>
+            <a:r>
+              <a:rPr lang="en-US" u="sng" dirty="0">
+                <a:solidFill>
+                  <a:srgbClr val="161616"/>
+                </a:solidFill>
+                <a:latin typeface="Segoe UI" panose="020B0502040204020203" pitchFamily="34" charset="0"/>
+              </a:rPr>
+              <a:t> package</a:t>
+            </a:r>
+            <a:r>
+              <a:rPr lang="en-US" dirty="0">
+                <a:solidFill>
+                  <a:srgbClr val="161616"/>
+                </a:solidFill>
+                <a:latin typeface="Segoe UI" panose="020B0502040204020203" pitchFamily="34" charset="0"/>
+              </a:rPr>
+              <a:t> </a:t>
+            </a:r>
+            <a:r>
+              <a:rPr lang="es-MX" dirty="0" err="1">
+                <a:solidFill>
+                  <a:srgbClr val="24292F"/>
+                </a:solidFill>
+                <a:latin typeface="ui-monospace"/>
+              </a:rPr>
+              <a:t>dotnet</a:t>
+            </a:r>
+            <a:r>
+              <a:rPr lang="es-MX" dirty="0">
+                <a:solidFill>
+                  <a:srgbClr val="24292F"/>
+                </a:solidFill>
+                <a:latin typeface="ui-monospace"/>
+              </a:rPr>
+              <a:t> </a:t>
+            </a:r>
+            <a:r>
+              <a:rPr lang="es-MX" dirty="0" err="1">
+                <a:solidFill>
+                  <a:srgbClr val="24292F"/>
+                </a:solidFill>
+                <a:latin typeface="ui-monospace"/>
+              </a:rPr>
+              <a:t>add</a:t>
+            </a:r>
+            <a:r>
+              <a:rPr lang="es-MX" dirty="0">
+                <a:solidFill>
+                  <a:srgbClr val="24292F"/>
+                </a:solidFill>
+                <a:latin typeface="ui-monospace"/>
+              </a:rPr>
+              <a:t> </a:t>
+            </a:r>
+            <a:r>
+              <a:rPr lang="es-MX" dirty="0" err="1">
+                <a:solidFill>
+                  <a:srgbClr val="24292F"/>
+                </a:solidFill>
+                <a:latin typeface="ui-monospace"/>
+              </a:rPr>
+              <a:t>package</a:t>
+            </a:r>
+            <a:r>
+              <a:rPr lang="es-MX" dirty="0">
+                <a:solidFill>
+                  <a:srgbClr val="24292F"/>
+                </a:solidFill>
+                <a:latin typeface="ui-monospace"/>
+              </a:rPr>
+              <a:t> </a:t>
+            </a:r>
+            <a:r>
+              <a:rPr lang="es-MX" dirty="0" err="1">
+                <a:solidFill>
+                  <a:srgbClr val="24292F"/>
+                </a:solidFill>
+                <a:latin typeface="ui-monospace"/>
+              </a:rPr>
+              <a:t>Microsoft.EntityFrameworkCore.Cosmos</a:t>
             </a:r>
             <a:endParaRPr lang="en-US" dirty="0">
               <a:solidFill>
                 <a:srgbClr val="24292F"/>
               </a:solidFill>
               <a:latin typeface="ui-monospace"/>
+            </a:endParaRPr>
+          </a:p>
+          <a:p>
+            <a:pPr lvl="1">
+              <a:lnSpc>
+                <a:spcPct val="120000"/>
+              </a:lnSpc>
+              <a:buFont typeface="Wingdings" panose="05000000000000000000" pitchFamily="2" charset="2"/>
+              <a:buChar char="§"/>
+            </a:pPr>
+            <a:r>
+              <a:rPr lang="en-US" dirty="0">
+                <a:solidFill>
+                  <a:srgbClr val="24292F"/>
+                </a:solidFill>
+                <a:latin typeface="ui-monospace"/>
+              </a:rPr>
+              <a:t>Leverage EF classes </a:t>
+            </a:r>
+            <a:r>
+              <a:rPr lang="en-US" dirty="0" err="1">
+                <a:solidFill>
+                  <a:srgbClr val="24292F"/>
+                </a:solidFill>
+                <a:latin typeface="ui-monospace"/>
+              </a:rPr>
+              <a:t>DbContext</a:t>
+            </a:r>
+            <a:r>
+              <a:rPr lang="en-US" dirty="0">
+                <a:solidFill>
+                  <a:srgbClr val="24292F"/>
+                </a:solidFill>
+                <a:latin typeface="ui-monospace"/>
+              </a:rPr>
+              <a:t>, </a:t>
+            </a:r>
+            <a:r>
+              <a:rPr lang="en-US" dirty="0" err="1">
+                <a:solidFill>
+                  <a:srgbClr val="24292F"/>
+                </a:solidFill>
+                <a:latin typeface="ui-monospace"/>
+              </a:rPr>
+              <a:t>DbSet</a:t>
+            </a:r>
+            <a:endParaRPr lang="en-US" dirty="0">
+              <a:solidFill>
+                <a:srgbClr val="24292F"/>
+              </a:solidFill>
+              <a:latin typeface="ui-monospace"/>
+            </a:endParaRPr>
+          </a:p>
+          <a:p>
+            <a:pPr lvl="1">
+              <a:lnSpc>
+                <a:spcPct val="120000"/>
+              </a:lnSpc>
+              <a:buFont typeface="Wingdings" panose="05000000000000000000" pitchFamily="2" charset="2"/>
+              <a:buChar char="§"/>
+            </a:pPr>
+            <a:r>
+              <a:rPr lang="en-US" dirty="0">
+                <a:solidFill>
+                  <a:srgbClr val="24292F"/>
+                </a:solidFill>
+                <a:latin typeface="ui-monospace"/>
+              </a:rPr>
+              <a:t>As any provider can be setup in </a:t>
+            </a:r>
+            <a:r>
+              <a:rPr lang="en-US" dirty="0" err="1">
+                <a:solidFill>
+                  <a:srgbClr val="24292F"/>
+                </a:solidFill>
+                <a:latin typeface="ui-monospace"/>
+              </a:rPr>
+              <a:t>OnConfiguring</a:t>
+            </a:r>
+            <a:r>
+              <a:rPr lang="en-US" dirty="0">
+                <a:solidFill>
+                  <a:srgbClr val="24292F"/>
+                </a:solidFill>
+                <a:latin typeface="ui-monospace"/>
+              </a:rPr>
+              <a:t> method</a:t>
+            </a:r>
+          </a:p>
+          <a:p>
+            <a:pPr marL="0" lvl="1" indent="0">
+              <a:lnSpc>
+                <a:spcPct val="120000"/>
+              </a:lnSpc>
+              <a:buNone/>
+            </a:pPr>
+            <a:r>
+              <a:rPr lang="es-MX" sz="2400" dirty="0" err="1">
+                <a:solidFill>
+                  <a:srgbClr val="161616"/>
+                </a:solidFill>
+                <a:latin typeface="SFMono-Regular"/>
+              </a:rPr>
+              <a:t>protected</a:t>
+            </a:r>
+            <a:r>
+              <a:rPr lang="es-MX" sz="2400" dirty="0">
+                <a:solidFill>
+                  <a:srgbClr val="161616"/>
+                </a:solidFill>
+                <a:latin typeface="SFMono-Regular"/>
+              </a:rPr>
+              <a:t> </a:t>
+            </a:r>
+            <a:r>
+              <a:rPr lang="es-MX" sz="2400" dirty="0" err="1">
+                <a:solidFill>
+                  <a:srgbClr val="161616"/>
+                </a:solidFill>
+                <a:latin typeface="SFMono-Regular"/>
+              </a:rPr>
+              <a:t>override</a:t>
+            </a:r>
+            <a:r>
+              <a:rPr lang="es-MX" sz="2400" dirty="0">
+                <a:solidFill>
+                  <a:srgbClr val="161616"/>
+                </a:solidFill>
+                <a:latin typeface="SFMono-Regular"/>
+              </a:rPr>
+              <a:t> </a:t>
+            </a:r>
+            <a:r>
+              <a:rPr lang="es-MX" sz="2400" dirty="0" err="1">
+                <a:solidFill>
+                  <a:srgbClr val="161616"/>
+                </a:solidFill>
+                <a:latin typeface="SFMono-Regular"/>
+              </a:rPr>
+              <a:t>void</a:t>
+            </a:r>
+            <a:r>
+              <a:rPr lang="es-MX" sz="2400" dirty="0">
+                <a:solidFill>
+                  <a:srgbClr val="161616"/>
+                </a:solidFill>
+                <a:latin typeface="SFMono-Regular"/>
+              </a:rPr>
+              <a:t> </a:t>
+            </a:r>
+            <a:r>
+              <a:rPr lang="es-MX" sz="2400" dirty="0" err="1">
+                <a:solidFill>
+                  <a:srgbClr val="161616"/>
+                </a:solidFill>
+                <a:latin typeface="SFMono-Regular"/>
+              </a:rPr>
+              <a:t>OnConfiguring</a:t>
+            </a:r>
+            <a:r>
+              <a:rPr lang="es-MX" sz="2400" dirty="0">
+                <a:solidFill>
+                  <a:srgbClr val="161616"/>
+                </a:solidFill>
+                <a:latin typeface="SFMono-Regular"/>
+              </a:rPr>
+              <a:t>(</a:t>
+            </a:r>
+            <a:r>
+              <a:rPr lang="es-MX" sz="2400" dirty="0" err="1">
+                <a:solidFill>
+                  <a:srgbClr val="161616"/>
+                </a:solidFill>
+                <a:latin typeface="SFMono-Regular"/>
+              </a:rPr>
+              <a:t>DbContextOptionsBuilder</a:t>
+            </a:r>
+            <a:r>
+              <a:rPr lang="es-MX" sz="2400" dirty="0">
+                <a:solidFill>
+                  <a:srgbClr val="161616"/>
+                </a:solidFill>
+                <a:latin typeface="SFMono-Regular"/>
+              </a:rPr>
+              <a:t> </a:t>
+            </a:r>
+            <a:r>
+              <a:rPr lang="es-MX" sz="2400" dirty="0" err="1">
+                <a:solidFill>
+                  <a:srgbClr val="161616"/>
+                </a:solidFill>
+                <a:latin typeface="SFMono-Regular"/>
+              </a:rPr>
+              <a:t>optionsBuilder</a:t>
+            </a:r>
+            <a:r>
+              <a:rPr lang="es-MX" sz="2400" dirty="0">
+                <a:solidFill>
+                  <a:srgbClr val="161616"/>
+                </a:solidFill>
+                <a:latin typeface="SFMono-Regular"/>
+              </a:rPr>
+              <a:t>) =&gt; </a:t>
+            </a:r>
+            <a:r>
+              <a:rPr lang="es-MX" sz="2400" dirty="0" err="1">
+                <a:solidFill>
+                  <a:srgbClr val="161616"/>
+                </a:solidFill>
+                <a:latin typeface="SFMono-Regular"/>
+              </a:rPr>
+              <a:t>optionsBuilder.UseCosmos</a:t>
+            </a:r>
+            <a:r>
+              <a:rPr lang="es-MX" sz="2400" dirty="0">
+                <a:solidFill>
+                  <a:srgbClr val="161616"/>
+                </a:solidFill>
+                <a:latin typeface="SFMono-Regular"/>
+              </a:rPr>
+              <a:t>( </a:t>
+            </a:r>
+            <a:r>
+              <a:rPr lang="es-MX" sz="2400" dirty="0" err="1">
+                <a:solidFill>
+                  <a:srgbClr val="161616"/>
+                </a:solidFill>
+                <a:latin typeface="SFMono-Regular"/>
+              </a:rPr>
+              <a:t>urlEndPoint</a:t>
+            </a:r>
+            <a:r>
+              <a:rPr lang="es-MX" sz="2400" dirty="0">
+                <a:solidFill>
+                  <a:srgbClr val="161616"/>
+                </a:solidFill>
+                <a:latin typeface="SFMono-Regular"/>
+              </a:rPr>
+              <a:t>, </a:t>
+            </a:r>
+            <a:r>
+              <a:rPr lang="es-MX" sz="2400" dirty="0" err="1">
+                <a:solidFill>
+                  <a:srgbClr val="161616"/>
+                </a:solidFill>
+                <a:latin typeface="SFMono-Regular"/>
+              </a:rPr>
+              <a:t>key</a:t>
+            </a:r>
+            <a:r>
+              <a:rPr lang="es-MX" sz="2400" dirty="0">
+                <a:solidFill>
+                  <a:srgbClr val="161616"/>
+                </a:solidFill>
+                <a:latin typeface="SFMono-Regular"/>
+              </a:rPr>
+              <a:t>);</a:t>
+            </a:r>
+            <a:endParaRPr lang="en-US" sz="2400" dirty="0">
+              <a:solidFill>
+                <a:srgbClr val="161616"/>
+              </a:solidFill>
+              <a:latin typeface="SFMono-Regular"/>
             </a:endParaRPr>
           </a:p>
           <a:p>
@@ -7989,6 +8350,240 @@
           <p:cNvPr id="2" name="Título 1">
             <a:extLst>
               <a:ext uri="{FF2B5EF4-FFF2-40B4-BE49-F238E27FC236}">
+                <a16:creationId xmlns:a16="http://schemas.microsoft.com/office/drawing/2014/main" id="{039A9E4D-7889-3490-92D8-D7D1CB98F7F3}"/>
+              </a:ext>
+            </a:extLst>
+          </p:cNvPr>
+          <p:cNvSpPr>
+            <a:spLocks noGrp="1"/>
+          </p:cNvSpPr>
+          <p:nvPr>
+            <p:ph type="title"/>
+          </p:nvPr>
+        </p:nvSpPr>
+        <p:spPr>
+          <a:xfrm>
+            <a:off x="1484311" y="48236"/>
+            <a:ext cx="10018713" cy="1500521"/>
+          </a:xfrm>
+        </p:spPr>
+        <p:txBody>
+          <a:bodyPr/>
+          <a:lstStyle/>
+          <a:p>
+            <a:r>
+              <a:rPr lang="es-MX" dirty="0" err="1"/>
+              <a:t>Comparison</a:t>
+            </a:r>
+            <a:r>
+              <a:rPr lang="es-MX" dirty="0"/>
+              <a:t> – </a:t>
+            </a:r>
+            <a:r>
+              <a:rPr lang="es-MX" dirty="0" err="1"/>
+              <a:t>Initialize</a:t>
+            </a:r>
+            <a:r>
+              <a:rPr lang="es-MX" dirty="0"/>
+              <a:t> Client</a:t>
+            </a:r>
+          </a:p>
+        </p:txBody>
+      </p:sp>
+      <p:sp>
+        <p:nvSpPr>
+          <p:cNvPr id="3" name="Marcador de contenido 2">
+            <a:extLst>
+              <a:ext uri="{FF2B5EF4-FFF2-40B4-BE49-F238E27FC236}">
+                <a16:creationId xmlns:a16="http://schemas.microsoft.com/office/drawing/2014/main" id="{51C96787-3C54-0E42-4F41-C2125EE9B2F3}"/>
+              </a:ext>
+            </a:extLst>
+          </p:cNvPr>
+          <p:cNvSpPr>
+            <a:spLocks noGrp="1"/>
+          </p:cNvSpPr>
+          <p:nvPr>
+            <p:ph idx="1"/>
+          </p:nvPr>
+        </p:nvSpPr>
+        <p:spPr>
+          <a:xfrm>
+            <a:off x="1407460" y="1548757"/>
+            <a:ext cx="10095564" cy="4690677"/>
+          </a:xfrm>
+        </p:spPr>
+        <p:txBody>
+          <a:bodyPr anchor="t">
+            <a:normAutofit/>
+          </a:bodyPr>
+          <a:lstStyle/>
+          <a:p>
+            <a:pPr>
+              <a:lnSpc>
+                <a:spcPct val="120000"/>
+              </a:lnSpc>
+            </a:pPr>
+            <a:r>
+              <a:rPr lang="es-MX" b="1" dirty="0" err="1"/>
+              <a:t>CosmosDb</a:t>
+            </a:r>
+            <a:r>
+              <a:rPr lang="es-MX" b="1" dirty="0"/>
+              <a:t> SDK</a:t>
+            </a:r>
+          </a:p>
+          <a:p>
+            <a:pPr marL="0" indent="0">
+              <a:lnSpc>
+                <a:spcPct val="120000"/>
+              </a:lnSpc>
+              <a:buNone/>
+            </a:pPr>
+            <a:r>
+              <a:rPr lang="es-MX" sz="1600" dirty="0" err="1"/>
+              <a:t>CosmosClient</a:t>
+            </a:r>
+            <a:r>
+              <a:rPr lang="es-MX" sz="1600" dirty="0"/>
+              <a:t> </a:t>
+            </a:r>
+            <a:r>
+              <a:rPr lang="es-MX" sz="1600" dirty="0" err="1"/>
+              <a:t>client</a:t>
+            </a:r>
+            <a:r>
+              <a:rPr lang="es-MX" sz="1600" dirty="0"/>
+              <a:t> = new </a:t>
+            </a:r>
+            <a:r>
+              <a:rPr lang="es-MX" sz="1600" dirty="0" err="1"/>
+              <a:t>CosmosClient</a:t>
+            </a:r>
+            <a:r>
+              <a:rPr lang="es-MX" sz="1600" dirty="0"/>
+              <a:t>(</a:t>
+            </a:r>
+            <a:r>
+              <a:rPr lang="es-MX" sz="1600" dirty="0" err="1"/>
+              <a:t>endpointUrl</a:t>
+            </a:r>
+            <a:r>
+              <a:rPr lang="es-MX" sz="1600" dirty="0"/>
+              <a:t>, </a:t>
+            </a:r>
+            <a:r>
+              <a:rPr lang="es-MX" sz="1600" dirty="0" err="1"/>
+              <a:t>authorizationKey</a:t>
+            </a:r>
+            <a:r>
+              <a:rPr lang="es-MX" sz="1600"/>
+              <a:t>);</a:t>
+            </a:r>
+            <a:endParaRPr lang="es-MX" sz="1600" dirty="0"/>
+          </a:p>
+          <a:p>
+            <a:pPr>
+              <a:lnSpc>
+                <a:spcPct val="120000"/>
+              </a:lnSpc>
+            </a:pPr>
+            <a:endParaRPr lang="es-MX" b="1" dirty="0"/>
+          </a:p>
+          <a:p>
+            <a:pPr>
+              <a:lnSpc>
+                <a:spcPct val="120000"/>
+              </a:lnSpc>
+            </a:pPr>
+            <a:r>
+              <a:rPr lang="es-MX" b="1" dirty="0" err="1"/>
+              <a:t>Entity</a:t>
+            </a:r>
+            <a:r>
+              <a:rPr lang="es-MX" b="1" dirty="0"/>
+              <a:t> Framework </a:t>
+            </a:r>
+            <a:r>
+              <a:rPr lang="es-MX" b="1" dirty="0" err="1"/>
+              <a:t>for</a:t>
+            </a:r>
+            <a:r>
+              <a:rPr lang="es-MX" b="1" dirty="0"/>
+              <a:t> </a:t>
+            </a:r>
+            <a:r>
+              <a:rPr lang="es-MX" b="1" dirty="0" err="1"/>
+              <a:t>CosmosDb</a:t>
+            </a:r>
+            <a:endParaRPr lang="es-MX" b="1" dirty="0"/>
+          </a:p>
+          <a:p>
+            <a:pPr marL="0" indent="0">
+              <a:lnSpc>
+                <a:spcPct val="120000"/>
+              </a:lnSpc>
+              <a:buNone/>
+            </a:pPr>
+            <a:endParaRPr lang="es-MX" b="1" i="0" dirty="0">
+              <a:solidFill>
+                <a:srgbClr val="161616"/>
+              </a:solidFill>
+              <a:effectLst/>
+              <a:latin typeface="Segoe UI" panose="020B0502040204020203" pitchFamily="34" charset="0"/>
+            </a:endParaRPr>
+          </a:p>
+          <a:p>
+            <a:pPr marL="0" indent="0">
+              <a:lnSpc>
+                <a:spcPct val="120000"/>
+              </a:lnSpc>
+              <a:buNone/>
+            </a:pPr>
+            <a:endParaRPr lang="es-MX" dirty="0"/>
+          </a:p>
+          <a:p>
+            <a:pPr marL="0" indent="0">
+              <a:buNone/>
+            </a:pPr>
+            <a:endParaRPr lang="es-MX" dirty="0"/>
+          </a:p>
+        </p:txBody>
+      </p:sp>
+    </p:spTree>
+    <p:extLst>
+      <p:ext uri="{BB962C8B-B14F-4D97-AF65-F5344CB8AC3E}">
+        <p14:creationId xmlns:p14="http://schemas.microsoft.com/office/powerpoint/2010/main" val="4170456736"/>
+      </p:ext>
+    </p:extLst>
+  </p:cSld>
+  <p:clrMapOvr>
+    <a:masterClrMapping/>
+  </p:clrMapOvr>
+</p:sld>
+</file>
+
+<file path=ppt/slides/slide12.xml><?xml version="1.0" encoding="utf-8"?>
+<p:sld xmlns:a="http://schemas.openxmlformats.org/drawingml/2006/main" xmlns:r="http://schemas.openxmlformats.org/officeDocument/2006/relationships" xmlns:p="http://schemas.openxmlformats.org/presentationml/2006/main">
+  <p:cSld>
+    <p:spTree>
+      <p:nvGrpSpPr>
+        <p:cNvPr id="1" name=""/>
+        <p:cNvGrpSpPr/>
+        <p:nvPr/>
+      </p:nvGrpSpPr>
+      <p:grpSpPr>
+        <a:xfrm>
+          <a:off x="0" y="0"/>
+          <a:ext cx="0" cy="0"/>
+          <a:chOff x="0" y="0"/>
+          <a:chExt cx="0" cy="0"/>
+        </a:xfrm>
+      </p:grpSpPr>
+      <p:sp>
+        <p:nvSpPr>
+          <p:cNvPr id="2" name="Título 1">
+            <a:extLst>
+              <a:ext uri="{FF2B5EF4-FFF2-40B4-BE49-F238E27FC236}">
                 <a16:creationId xmlns:a16="http://schemas.microsoft.com/office/drawing/2014/main" id="{96B4C46F-1726-872F-0A81-A010DB66C17A}"/>
               </a:ext>
             </a:extLst>
@@ -8054,7 +8649,7 @@
 </p:sld>
 </file>
 
-<file path=ppt/slides/slide12.xml><?xml version="1.0" encoding="utf-8"?>
+<file path=ppt/slides/slide13.xml><?xml version="1.0" encoding="utf-8"?>
 <p:sld xmlns:a="http://schemas.openxmlformats.org/drawingml/2006/main" xmlns:r="http://schemas.openxmlformats.org/officeDocument/2006/relationships" xmlns:p="http://schemas.openxmlformats.org/presentationml/2006/main">
   <p:cSld>
     <p:spTree>

--- a/Presentation/CosmosDbDotNet.pptx
+++ b/Presentation/CosmosDbDotNet.pptx
@@ -315,7 +315,7 @@
             <a:pPr rtl="0"/>
             <a:fld id="{EED32F08-9749-4F62-92D2-6C50931D99AA}" type="datetime1">
               <a:rPr lang="es-ES" smtClean="0"/>
-              <a:t>22/02/2023</a:t>
+              <a:t>23/02/2023</a:t>
             </a:fld>
             <a:endParaRPr lang="es-ES"/>
           </a:p>
@@ -395,7 +395,7 @@
             <a:pPr rtl="0"/>
             <a:fld id="{6B668C69-0C3E-40A2-B4A0-B2C8B71D8E3A}" type="slidenum">
               <a:rPr lang="es-ES" smtClean="0"/>
-              <a:t>‹Nº›</a:t>
+              <a:t>‹#›</a:t>
             </a:fld>
             <a:endParaRPr lang="es-ES"/>
           </a:p>
@@ -658,7 +658,7 @@
             <a:pPr rtl="0"/>
             <a:fld id="{EE000EEB-8338-48D7-8EE8-EE0082EF7602}" type="slidenum">
               <a:rPr lang="es-ES" noProof="0" smtClean="0"/>
-              <a:t>‹Nº›</a:t>
+              <a:t>‹#›</a:t>
             </a:fld>
             <a:endParaRPr lang="es-ES" noProof="0"/>
           </a:p>
@@ -1492,7 +1492,7 @@
             <a:pPr rtl="0"/>
             <a:fld id="{D57F1E4F-1CFF-5643-939E-02111984F565}" type="slidenum">
               <a:rPr lang="es-ES" noProof="0" smtClean="0"/>
-              <a:t>‹Nº›</a:t>
+              <a:t>‹#›</a:t>
             </a:fld>
             <a:endParaRPr lang="es-ES" noProof="0"/>
           </a:p>
@@ -1787,7 +1787,7 @@
             <a:pPr rtl="0"/>
             <a:fld id="{D57F1E4F-1CFF-5643-939E-02111984F565}" type="slidenum">
               <a:rPr lang="es-ES" noProof="0" smtClean="0"/>
-              <a:t>‹Nº›</a:t>
+              <a:t>‹#›</a:t>
             </a:fld>
             <a:endParaRPr lang="es-ES" noProof="0"/>
           </a:p>
@@ -2039,7 +2039,7 @@
             <a:pPr rtl="0"/>
             <a:fld id="{D57F1E4F-1CFF-5643-939E-02111984F565}" type="slidenum">
               <a:rPr lang="es-ES" noProof="0" smtClean="0"/>
-              <a:t>‹Nº›</a:t>
+              <a:t>‹#›</a:t>
             </a:fld>
             <a:endParaRPr lang="es-ES" noProof="0"/>
           </a:p>
@@ -2583,7 +2583,7 @@
             <a:pPr rtl="0"/>
             <a:fld id="{D57F1E4F-1CFF-5643-939E-02111984F565}" type="slidenum">
               <a:rPr lang="es-ES" noProof="0" smtClean="0"/>
-              <a:t>‹Nº›</a:t>
+              <a:t>‹#›</a:t>
             </a:fld>
             <a:endParaRPr lang="es-ES" noProof="0"/>
           </a:p>
@@ -2835,7 +2835,7 @@
             <a:pPr rtl="0"/>
             <a:fld id="{D57F1E4F-1CFF-5643-939E-02111984F565}" type="slidenum">
               <a:rPr lang="es-ES" noProof="0" smtClean="0"/>
-              <a:t>‹Nº›</a:t>
+              <a:t>‹#›</a:t>
             </a:fld>
             <a:endParaRPr lang="es-ES" noProof="0"/>
           </a:p>
@@ -3371,7 +3371,7 @@
             <a:pPr rtl="0"/>
             <a:fld id="{D57F1E4F-1CFF-5643-939E-02111984F565}" type="slidenum">
               <a:rPr lang="es-ES" noProof="0" smtClean="0"/>
-              <a:t>‹Nº›</a:t>
+              <a:t>‹#›</a:t>
             </a:fld>
             <a:endParaRPr lang="es-ES" noProof="0"/>
           </a:p>
@@ -3672,7 +3672,7 @@
             <a:pPr rtl="0"/>
             <a:fld id="{D57F1E4F-1CFF-5643-939E-02111984F565}" type="slidenum">
               <a:rPr lang="es-ES" noProof="0" smtClean="0"/>
-              <a:t>‹Nº›</a:t>
+              <a:t>‹#›</a:t>
             </a:fld>
             <a:endParaRPr lang="es-ES" noProof="0"/>
           </a:p>
@@ -3850,7 +3850,7 @@
             <a:pPr rtl="0"/>
             <a:fld id="{D57F1E4F-1CFF-5643-939E-02111984F565}" type="slidenum">
               <a:rPr lang="es-ES" noProof="0" smtClean="0"/>
-              <a:t>‹Nº›</a:t>
+              <a:t>‹#›</a:t>
             </a:fld>
             <a:endParaRPr lang="es-ES" noProof="0"/>
           </a:p>
@@ -4034,7 +4034,7 @@
             <a:pPr rtl="0"/>
             <a:fld id="{D57F1E4F-1CFF-5643-939E-02111984F565}" type="slidenum">
               <a:rPr lang="es-ES" noProof="0" smtClean="0"/>
-              <a:t>‹Nº›</a:t>
+              <a:t>‹#›</a:t>
             </a:fld>
             <a:endParaRPr lang="es-ES" noProof="0"/>
           </a:p>
@@ -4213,7 +4213,7 @@
             <a:pPr rtl="0"/>
             <a:fld id="{D57F1E4F-1CFF-5643-939E-02111984F565}" type="slidenum">
               <a:rPr lang="es-ES" noProof="0" smtClean="0"/>
-              <a:t>‹Nº›</a:t>
+              <a:t>‹#›</a:t>
             </a:fld>
             <a:endParaRPr lang="es-ES" noProof="0"/>
           </a:p>
@@ -4463,7 +4463,7 @@
             <a:pPr rtl="0"/>
             <a:fld id="{D57F1E4F-1CFF-5643-939E-02111984F565}" type="slidenum">
               <a:rPr lang="es-ES" noProof="0" smtClean="0"/>
-              <a:t>‹Nº›</a:t>
+              <a:t>‹#›</a:t>
             </a:fld>
             <a:endParaRPr lang="es-ES" noProof="0"/>
           </a:p>
@@ -4764,7 +4764,7 @@
             <a:pPr rtl="0"/>
             <a:fld id="{D57F1E4F-1CFF-5643-939E-02111984F565}" type="slidenum">
               <a:rPr lang="es-ES" noProof="0" smtClean="0"/>
-              <a:t>‹Nº›</a:t>
+              <a:t>‹#›</a:t>
             </a:fld>
             <a:endParaRPr lang="es-ES" noProof="0"/>
           </a:p>
@@ -5210,7 +5210,7 @@
             <a:pPr rtl="0"/>
             <a:fld id="{D57F1E4F-1CFF-5643-939E-02111984F565}" type="slidenum">
               <a:rPr lang="es-ES" noProof="0" smtClean="0"/>
-              <a:t>‹Nº›</a:t>
+              <a:t>‹#›</a:t>
             </a:fld>
             <a:endParaRPr lang="es-ES" noProof="0"/>
           </a:p>
@@ -5332,7 +5332,7 @@
             <a:pPr rtl="0"/>
             <a:fld id="{D57F1E4F-1CFF-5643-939E-02111984F565}" type="slidenum">
               <a:rPr lang="es-ES" noProof="0" smtClean="0"/>
-              <a:t>‹Nº›</a:t>
+              <a:t>‹#›</a:t>
             </a:fld>
             <a:endParaRPr lang="es-ES" noProof="0"/>
           </a:p>
@@ -5431,7 +5431,7 @@
             <a:pPr rtl="0"/>
             <a:fld id="{D57F1E4F-1CFF-5643-939E-02111984F565}" type="slidenum">
               <a:rPr lang="es-ES" noProof="0" smtClean="0"/>
-              <a:t>‹Nº›</a:t>
+              <a:t>‹#›</a:t>
             </a:fld>
             <a:endParaRPr lang="es-ES" noProof="0"/>
           </a:p>
@@ -5718,7 +5718,7 @@
             <a:pPr rtl="0"/>
             <a:fld id="{D57F1E4F-1CFF-5643-939E-02111984F565}" type="slidenum">
               <a:rPr lang="es-ES" noProof="0" smtClean="0"/>
-              <a:t>‹Nº›</a:t>
+              <a:t>‹#›</a:t>
             </a:fld>
             <a:endParaRPr lang="es-ES" noProof="0"/>
           </a:p>
@@ -6013,7 +6013,7 @@
             <a:pPr rtl="0"/>
             <a:fld id="{D57F1E4F-1CFF-5643-939E-02111984F565}" type="slidenum">
               <a:rPr lang="es-ES" noProof="0" smtClean="0"/>
-              <a:t>‹Nº›</a:t>
+              <a:t>‹#›</a:t>
             </a:fld>
             <a:endParaRPr lang="es-ES" noProof="0"/>
           </a:p>
@@ -6583,7 +6583,7 @@
             <a:pPr rtl="0"/>
             <a:fld id="{D57F1E4F-1CFF-5643-939E-02111984F565}" type="slidenum">
               <a:rPr lang="es-ES" noProof="0" smtClean="0"/>
-              <a:t>‹Nº›</a:t>
+              <a:t>‹#›</a:t>
             </a:fld>
             <a:endParaRPr lang="es-ES" noProof="0"/>
           </a:p>
@@ -7831,13 +7831,13 @@
         </p:nvSpPr>
         <p:spPr>
           <a:xfrm>
-            <a:off x="1407460" y="1468072"/>
-            <a:ext cx="10095564" cy="4983061"/>
+            <a:off x="1407460" y="2323750"/>
+            <a:ext cx="10412628" cy="4127383"/>
           </a:xfrm>
         </p:spPr>
         <p:txBody>
           <a:bodyPr>
-            <a:normAutofit/>
+            <a:normAutofit fontScale="92500" lnSpcReduction="10000"/>
           </a:bodyPr>
           <a:lstStyle/>
           <a:p>
@@ -7855,7 +7855,7 @@
             </a:r>
             <a:r>
               <a:rPr lang="es-MX" b="1" dirty="0"/>
-              <a:t> Framework </a:t>
+              <a:t> Framework Core </a:t>
             </a:r>
             <a:r>
               <a:rPr lang="es-MX" b="1" dirty="0" err="1"/>
@@ -7903,7 +7903,7 @@
                 </a:solidFill>
                 <a:latin typeface="Segoe UI" panose="020B0502040204020203" pitchFamily="34" charset="0"/>
               </a:rPr>
-              <a:t>.</a:t>
+              <a:t>. This work</a:t>
             </a:r>
           </a:p>
           <a:p>
@@ -12357,7 +12357,7 @@
                     <a:p>
                       <a:pPr algn="l" fontAlgn="t"/>
                       <a:r>
-                        <a:rPr lang="en-US" sz="1800">
+                        <a:rPr lang="en-US" sz="1800" dirty="0">
                           <a:effectLst/>
                         </a:rPr>
                         <a:t>Manager</a:t>
@@ -14133,24 +14133,6 @@
 </file>
 
 <file path=customXml/item1.xml><?xml version="1.0" encoding="utf-8"?>
-<?mso-contentType ?>
-<FormTemplates xmlns="http://schemas.microsoft.com/sharepoint/v3/contenttype/forms">
-  <Display>DocumentLibraryForm</Display>
-  <Edit>DocumentLibraryForm</Edit>
-  <New>DocumentLibraryForm</New>
-</FormTemplates>
-</file>
-
-<file path=customXml/item2.xml><?xml version="1.0" encoding="utf-8"?>
-<p:properties xmlns:p="http://schemas.microsoft.com/office/2006/metadata/properties" xmlns:xsi="http://www.w3.org/2001/XMLSchema-instance" xmlns:pc="http://schemas.microsoft.com/office/infopath/2007/PartnerControls">
-  <documentManagement>
-    <Status xmlns="71af3243-3dd4-4a8d-8c0d-dd76da1f02a5">Not started</Status>
-    <MediaServiceKeyPoints xmlns="71af3243-3dd4-4a8d-8c0d-dd76da1f02a5" xsi:nil="true"/>
-  </documentManagement>
-</p:properties>
-</file>
-
-<file path=customXml/item3.xml><?xml version="1.0" encoding="utf-8"?>
 <ct:contentTypeSchema xmlns:ct="http://schemas.microsoft.com/office/2006/metadata/contentType" xmlns:ma="http://schemas.microsoft.com/office/2006/metadata/properties/metaAttributes" ct:_="" ma:_="" ma:contentTypeName="Document" ma:contentTypeID="0x01010079F111ED35F8CC479449609E8A0923A6" ma:contentTypeVersion="12" ma:contentTypeDescription="Create a new document." ma:contentTypeScope="" ma:versionID="93813dd7ca6ad654711aa0ab317e03a3">
   <xsd:schema xmlns:xsd="http://www.w3.org/2001/XMLSchema" xmlns:xs="http://www.w3.org/2001/XMLSchema" xmlns:p="http://schemas.microsoft.com/office/2006/metadata/properties" xmlns:ns2="71af3243-3dd4-4a8d-8c0d-dd76da1f02a5" xmlns:ns3="16c05727-aa75-4e4a-9b5f-8a80a1165891" targetNamespace="http://schemas.microsoft.com/office/2006/metadata/properties" ma:root="true" ma:fieldsID="f11dc0ce689dd3925e84e4e35398c6e7" ns2:_="" ns3:_="">
     <xsd:import namespace="71af3243-3dd4-4a8d-8c0d-dd76da1f02a5"/>
@@ -14371,25 +14353,25 @@
 </ct:contentTypeSchema>
 </file>
 
-<file path=customXml/itemProps1.xml><?xml version="1.0" encoding="utf-8"?>
-<ds:datastoreItem xmlns:ds="http://schemas.openxmlformats.org/officeDocument/2006/customXml" ds:itemID="{0D16958A-754B-4396-9457-FD7A427A37DD}">
-  <ds:schemaRefs>
-    <ds:schemaRef ds:uri="http://schemas.microsoft.com/sharepoint/v3/contenttype/forms"/>
-  </ds:schemaRefs>
-</ds:datastoreItem>
+<file path=customXml/item2.xml><?xml version="1.0" encoding="utf-8"?>
+<p:properties xmlns:p="http://schemas.microsoft.com/office/2006/metadata/properties" xmlns:xsi="http://www.w3.org/2001/XMLSchema-instance" xmlns:pc="http://schemas.microsoft.com/office/infopath/2007/PartnerControls">
+  <documentManagement>
+    <Status xmlns="71af3243-3dd4-4a8d-8c0d-dd76da1f02a5">Not started</Status>
+    <MediaServiceKeyPoints xmlns="71af3243-3dd4-4a8d-8c0d-dd76da1f02a5" xsi:nil="true"/>
+  </documentManagement>
+</p:properties>
 </file>
 
-<file path=customXml/itemProps2.xml><?xml version="1.0" encoding="utf-8"?>
-<ds:datastoreItem xmlns:ds="http://schemas.openxmlformats.org/officeDocument/2006/customXml" ds:itemID="{048C88F1-1664-415F-AFCE-F6CF45809817}">
-  <ds:schemaRefs>
-    <ds:schemaRef ds:uri="http://schemas.microsoft.com/office/2006/metadata/properties"/>
-    <ds:schemaRef ds:uri="http://schemas.microsoft.com/office/infopath/2007/PartnerControls"/>
-    <ds:schemaRef ds:uri="71af3243-3dd4-4a8d-8c0d-dd76da1f02a5"/>
-  </ds:schemaRefs>
-</ds:datastoreItem>
+<file path=customXml/item3.xml><?xml version="1.0" encoding="utf-8"?>
+<?mso-contentType ?>
+<FormTemplates xmlns="http://schemas.microsoft.com/sharepoint/v3/contenttype/forms">
+  <Display>DocumentLibraryForm</Display>
+  <Edit>DocumentLibraryForm</Edit>
+  <New>DocumentLibraryForm</New>
+</FormTemplates>
 </file>
 
-<file path=customXml/itemProps3.xml><?xml version="1.0" encoding="utf-8"?>
+<file path=customXml/itemProps1.xml><?xml version="1.0" encoding="utf-8"?>
 <ds:datastoreItem xmlns:ds="http://schemas.openxmlformats.org/officeDocument/2006/customXml" ds:itemID="{CC30393A-FEC6-4A44-9E4A-6EA49F1F7DC0}">
   <ds:schemaRefs>
     <ds:schemaRef ds:uri="http://schemas.microsoft.com/office/2006/metadata/contentType"/>
@@ -14406,4 +14388,22 @@
     <ds:schemaRef ds:uri="http://schemas.microsoft.com/internal/obd"/>
   </ds:schemaRefs>
 </ds:datastoreItem>
+</file>
+
+<file path=customXml/itemProps2.xml><?xml version="1.0" encoding="utf-8"?>
+<ds:datastoreItem xmlns:ds="http://schemas.openxmlformats.org/officeDocument/2006/customXml" ds:itemID="{048C88F1-1664-415F-AFCE-F6CF45809817}">
+  <ds:schemaRefs>
+    <ds:schemaRef ds:uri="http://schemas.microsoft.com/office/2006/metadata/properties"/>
+    <ds:schemaRef ds:uri="http://schemas.microsoft.com/office/infopath/2007/PartnerControls"/>
+    <ds:schemaRef ds:uri="71af3243-3dd4-4a8d-8c0d-dd76da1f02a5"/>
+  </ds:schemaRefs>
+</ds:datastoreItem>
+</file>
+
+<file path=customXml/itemProps3.xml><?xml version="1.0" encoding="utf-8"?>
+<ds:datastoreItem xmlns:ds="http://schemas.openxmlformats.org/officeDocument/2006/customXml" ds:itemID="{0D16958A-754B-4396-9457-FD7A427A37DD}">
+  <ds:schemaRefs>
+    <ds:schemaRef ds:uri="http://schemas.microsoft.com/sharepoint/v3/contenttype/forms"/>
+  </ds:schemaRefs>
+</ds:datastoreItem>
 </file>